--- a/ИИ.pptx
+++ b/ИИ.pptx
@@ -1220,7 +1220,7 @@
           <a:p>
             <a:fld id="{C764DE79-268F-4C1A-8933-263129D2AF90}" type="datetimeFigureOut">
               <a:rPr lang="en-US" dirty="0"/>
-              <a:t>12/24/2024</a:t>
+              <a:t>12/27/2024</a:t>
             </a:fld>
             <a:endParaRPr lang="en-US" dirty="0"/>
           </a:p>
@@ -1391,7 +1391,7 @@
           <a:p>
             <a:fld id="{C764DE79-268F-4C1A-8933-263129D2AF90}" type="datetimeFigureOut">
               <a:rPr lang="en-US" dirty="0"/>
-              <a:t>12/24/2024</a:t>
+              <a:t>12/27/2024</a:t>
             </a:fld>
             <a:endParaRPr lang="en-US" dirty="0"/>
           </a:p>
@@ -1572,7 +1572,7 @@
           <a:p>
             <a:fld id="{C764DE79-268F-4C1A-8933-263129D2AF90}" type="datetimeFigureOut">
               <a:rPr lang="en-US" dirty="0"/>
-              <a:t>12/24/2024</a:t>
+              <a:t>12/27/2024</a:t>
             </a:fld>
             <a:endParaRPr lang="en-US" dirty="0"/>
           </a:p>
@@ -1983,7 +1983,7 @@
           <a:p>
             <a:fld id="{C764DE79-268F-4C1A-8933-263129D2AF90}" type="datetimeFigureOut">
               <a:rPr lang="en-US" dirty="0"/>
-              <a:t>12/24/2024</a:t>
+              <a:t>12/27/2024</a:t>
             </a:fld>
             <a:endParaRPr lang="en-US" dirty="0"/>
           </a:p>
@@ -2290,7 +2290,7 @@
           <a:p>
             <a:fld id="{C764DE79-268F-4C1A-8933-263129D2AF90}" type="datetimeFigureOut">
               <a:rPr lang="en-US" dirty="0"/>
-              <a:t>12/24/2024</a:t>
+              <a:t>12/27/2024</a:t>
             </a:fld>
             <a:endParaRPr lang="en-US" dirty="0"/>
           </a:p>
@@ -2523,7 +2523,7 @@
           <a:p>
             <a:fld id="{C764DE79-268F-4C1A-8933-263129D2AF90}" type="datetimeFigureOut">
               <a:rPr lang="en-US" dirty="0"/>
-              <a:t>12/24/2024</a:t>
+              <a:t>12/27/2024</a:t>
             </a:fld>
             <a:endParaRPr lang="en-US" dirty="0"/>
           </a:p>
@@ -2891,7 +2891,7 @@
           <a:p>
             <a:fld id="{C764DE79-268F-4C1A-8933-263129D2AF90}" type="datetimeFigureOut">
               <a:rPr lang="en-US" dirty="0"/>
-              <a:t>12/24/2024</a:t>
+              <a:t>12/27/2024</a:t>
             </a:fld>
             <a:endParaRPr lang="en-US" dirty="0"/>
           </a:p>
@@ -3010,7 +3010,7 @@
           <a:p>
             <a:fld id="{C764DE79-268F-4C1A-8933-263129D2AF90}" type="datetimeFigureOut">
               <a:rPr lang="en-US" dirty="0"/>
-              <a:t>12/24/2024</a:t>
+              <a:t>12/27/2024</a:t>
             </a:fld>
             <a:endParaRPr lang="en-US" dirty="0"/>
           </a:p>
@@ -3106,7 +3106,7 @@
           <a:p>
             <a:fld id="{C764DE79-268F-4C1A-8933-263129D2AF90}" type="datetimeFigureOut">
               <a:rPr lang="en-US" dirty="0"/>
-              <a:t>12/24/2024</a:t>
+              <a:t>12/27/2024</a:t>
             </a:fld>
             <a:endParaRPr lang="en-US" dirty="0"/>
           </a:p>
@@ -3384,7 +3384,7 @@
           <a:p>
             <a:fld id="{C764DE79-268F-4C1A-8933-263129D2AF90}" type="datetimeFigureOut">
               <a:rPr lang="en-US" dirty="0"/>
-              <a:t>12/24/2024</a:t>
+              <a:t>12/27/2024</a:t>
             </a:fld>
             <a:endParaRPr lang="en-US" dirty="0"/>
           </a:p>
@@ -3642,7 +3642,7 @@
           <a:p>
             <a:fld id="{C764DE79-268F-4C1A-8933-263129D2AF90}" type="datetimeFigureOut">
               <a:rPr lang="en-US" dirty="0"/>
-              <a:t>12/24/2024</a:t>
+              <a:t>12/27/2024</a:t>
             </a:fld>
             <a:endParaRPr lang="en-US" dirty="0"/>
           </a:p>
@@ -3856,7 +3856,7 @@
           <a:p>
             <a:fld id="{C764DE79-268F-4C1A-8933-263129D2AF90}" type="datetimeFigureOut">
               <a:rPr lang="en-US" dirty="0"/>
-              <a:t>12/24/2024</a:t>
+              <a:t>12/27/2024</a:t>
             </a:fld>
             <a:endParaRPr lang="en-US" dirty="0"/>
           </a:p>
@@ -4351,8 +4351,8 @@
         </p:nvSpPr>
         <p:spPr>
           <a:xfrm>
-            <a:off x="11092070" y="7116417"/>
-            <a:ext cx="3429000" cy="923330"/>
+            <a:off x="11092070" y="7013368"/>
+            <a:ext cx="3429000" cy="1200329"/>
           </a:xfrm>
           <a:prstGeom prst="rect">
             <a:avLst/>
@@ -4380,12 +4380,19 @@
           <a:p>
             <a:pPr algn="r"/>
             <a:r>
+              <a:rPr lang="ru-RU" dirty="0"/>
+              <a:t>Подлужнов Н.</a:t>
+            </a:r>
+            <a:br>
+              <a:rPr lang="ru-RU" dirty="0"/>
+            </a:br>
+            <a:r>
               <a:rPr lang="ru-RU" dirty="0" err="1"/>
-              <a:t>Подлужнов</a:t>
+              <a:t>Теслин</a:t>
             </a:r>
             <a:r>
               <a:rPr lang="ru-RU" dirty="0"/>
-              <a:t> Н.</a:t>
+              <a:t> А.</a:t>
             </a:r>
           </a:p>
         </p:txBody>
